--- a/ProgressMeetings/Sep_15_22.pptx
+++ b/ProgressMeetings/Sep_15_22.pptx
@@ -242,7 +242,7 @@
           <a:p>
             <a:fld id="{821534B3-39E4-4EA9-B6D8-1893401FA294}" type="datetimeFigureOut">
               <a:rPr lang="en-US" smtClean="0"/>
-              <a:t>9/20/22</a:t>
+              <a:t>9/21/22</a:t>
             </a:fld>
             <a:endParaRPr lang="en-US"/>
           </a:p>
@@ -411,7 +411,7 @@
           <a:p>
             <a:fld id="{6A207198-C646-4740-8A01-B3113DE25228}" type="datetimeFigureOut">
               <a:rPr lang="en-US" smtClean="0"/>
-              <a:t>9/20/22</a:t>
+              <a:t>9/21/22</a:t>
             </a:fld>
             <a:endParaRPr lang="en-US"/>
           </a:p>
